--- a/trunk/9. Presentation/AS_DeadlineTeam_Week11.pptx
+++ b/trunk/9. Presentation/AS_DeadlineTeam_Week11.pptx
@@ -4488,17 +4488,7 @@
                 <a:latin typeface="Arial" panose="020B0604020202020204" pitchFamily="34" charset="0"/>
                 <a:cs typeface="Arial" panose="020B0604020202020204" pitchFamily="34" charset="0"/>
               </a:rPr>
-              <a:t>Effort </a:t>
-            </a:r>
-            <a:r>
-              <a:rPr lang="en-US" b="1" dirty="0" smtClean="0">
-                <a:solidFill>
-                  <a:schemeClr val="bg1"/>
-                </a:solidFill>
-                <a:latin typeface="Arial" panose="020B0604020202020204" pitchFamily="34" charset="0"/>
-                <a:cs typeface="Arial" panose="020B0604020202020204" pitchFamily="34" charset="0"/>
-              </a:rPr>
-              <a:t>Measurement</a:t>
+              <a:t>Effort Measurement</a:t>
             </a:r>
             <a:endParaRPr lang="vi-VN" b="1" dirty="0">
               <a:solidFill>
@@ -4631,6 +4621,36 @@
           </a:p>
         </p:txBody>
       </p:sp>
+      <p:pic>
+        <p:nvPicPr>
+          <p:cNvPr id="3" name="Picture 2" descr="Screen Clipping"/>
+          <p:cNvPicPr>
+            <a:picLocks noChangeAspect="1"/>
+          </p:cNvPicPr>
+          <p:nvPr/>
+        </p:nvPicPr>
+        <p:blipFill>
+          <a:blip r:embed="rId2">
+            <a:extLst>
+              <a:ext uri="{28A0092B-C50C-407E-A947-70E740481C1C}">
+                <a14:useLocalDpi xmlns:a14="http://schemas.microsoft.com/office/drawing/2010/main" val="0"/>
+              </a:ext>
+            </a:extLst>
+          </a:blip>
+          <a:stretch>
+            <a:fillRect/>
+          </a:stretch>
+        </p:blipFill>
+        <p:spPr>
+          <a:xfrm>
+            <a:off x="838200" y="1876302"/>
+            <a:ext cx="9992096" cy="3807892"/>
+          </a:xfrm>
+          <a:prstGeom prst="rect">
+            <a:avLst/>
+          </a:prstGeom>
+        </p:spPr>
+      </p:pic>
     </p:spTree>
     <p:extLst>
       <p:ext uri="{BB962C8B-B14F-4D97-AF65-F5344CB8AC3E}">
